--- a/Apresentação projeto Nova.pptx
+++ b/Apresentação projeto Nova.pptx
@@ -284,7 +284,7 @@
           <a:p>
             <a:fld id="{1160EA64-D806-43AC-9DF2-F8C432F32B4C}" type="datetimeFigureOut">
               <a:rPr lang="en-US"/>
-              <a:t>1/29/2022</a:t>
+              <a:t>1/30/2022</a:t>
             </a:fld>
             <a:endParaRPr lang="en-US"/>
           </a:p>
@@ -450,7 +450,7 @@
           <a:p>
             <a:fld id="{E9F9C37B-1D36-470B-8223-D6C91242EC14}" type="datetimeFigureOut">
               <a:rPr lang="en-US"/>
-              <a:t>1/29/2022</a:t>
+              <a:t>1/30/2022</a:t>
             </a:fld>
             <a:endParaRPr lang="en-US"/>
           </a:p>
@@ -625,7 +625,7 @@
           <a:p>
             <a:fld id="{67C6F52A-A82B-47A2-A83A-8C4C91F2D59F}" type="datetimeFigureOut">
               <a:rPr lang="en-US"/>
-              <a:t>1/29/2022</a:t>
+              <a:t>1/30/2022</a:t>
             </a:fld>
             <a:endParaRPr lang="en-US"/>
           </a:p>
@@ -790,7 +790,7 @@
           <a:p>
             <a:fld id="{F070A7B3-6521-4DCA-87E5-044747A908C1}" type="datetimeFigureOut">
               <a:rPr lang="en-US"/>
-              <a:t>1/29/2022</a:t>
+              <a:t>1/30/2022</a:t>
             </a:fld>
             <a:endParaRPr lang="en-US"/>
           </a:p>
@@ -1054,7 +1054,7 @@
           <a:p>
             <a:fld id="{1160EA64-D806-43AC-9DF2-F8C432F32B4C}" type="datetimeFigureOut">
               <a:rPr lang="en-US"/>
-              <a:t>1/29/2022</a:t>
+              <a:t>1/30/2022</a:t>
             </a:fld>
             <a:endParaRPr lang="en-US"/>
           </a:p>
@@ -1282,7 +1282,7 @@
           <a:p>
             <a:fld id="{AB134690-1557-4C89-A502-4959FE7FAD70}" type="datetimeFigureOut">
               <a:rPr lang="en-US"/>
-              <a:t>1/29/2022</a:t>
+              <a:t>1/30/2022</a:t>
             </a:fld>
             <a:endParaRPr lang="en-US"/>
           </a:p>
@@ -1632,7 +1632,7 @@
           <a:p>
             <a:fld id="{4F7D4976-E339-4826-83B7-FBD03F55ECF8}" type="datetimeFigureOut">
               <a:rPr lang="en-US"/>
-              <a:t>1/29/2022</a:t>
+              <a:t>1/30/2022</a:t>
             </a:fld>
             <a:endParaRPr lang="en-US"/>
           </a:p>
@@ -1768,7 +1768,7 @@
           <a:p>
             <a:fld id="{E1037C31-9E7A-4F99-8774-A0E530DE1A42}" type="datetimeFigureOut">
               <a:rPr lang="en-US"/>
-              <a:t>1/29/2022</a:t>
+              <a:t>1/30/2022</a:t>
             </a:fld>
             <a:endParaRPr lang="en-US"/>
           </a:p>
@@ -1858,7 +1858,7 @@
           <a:p>
             <a:fld id="{C278504F-A551-4DE0-9316-4DCD1D8CC752}" type="datetimeFigureOut">
               <a:rPr lang="en-US"/>
-              <a:t>1/29/2022</a:t>
+              <a:t>1/30/2022</a:t>
             </a:fld>
             <a:endParaRPr lang="en-US"/>
           </a:p>
@@ -2210,7 +2210,7 @@
           <a:p>
             <a:fld id="{1160EA64-D806-43AC-9DF2-F8C432F32B4C}" type="datetimeFigureOut">
               <a:rPr lang="en-US"/>
-              <a:t>1/29/2022</a:t>
+              <a:t>1/30/2022</a:t>
             </a:fld>
             <a:endParaRPr lang="en-US"/>
           </a:p>
@@ -2563,7 +2563,7 @@
             <a:fld id="{1160EA64-D806-43AC-9DF2-F8C432F32B4C}" type="datetimeFigureOut">
               <a:rPr lang="en-US"/>
               <a:pPr/>
-              <a:t>1/29/2022</a:t>
+              <a:t>1/30/2022</a:t>
             </a:fld>
             <a:endParaRPr lang="en-US"/>
           </a:p>
@@ -2799,7 +2799,7 @@
           <a:p>
             <a:fld id="{1160EA64-D806-43AC-9DF2-F8C432F32B4C}" type="datetimeFigureOut">
               <a:rPr lang="en-US"/>
-              <a:t>1/29/2022</a:t>
+              <a:t>1/30/2022</a:t>
             </a:fld>
             <a:endParaRPr lang="en-US"/>
           </a:p>
@@ -3841,7 +3841,7 @@
                   <a:srgbClr val="FFFFFF"/>
                 </a:solidFill>
               </a:rPr>
-              <a:t>pagina</a:t>
+              <a:t>página</a:t>
             </a:r>
             <a:r>
               <a:rPr lang="en-US" dirty="0">
@@ -3873,7 +3873,7 @@
                   <a:srgbClr val="FFFFFF"/>
                 </a:solidFill>
               </a:rPr>
-              <a:t>botao</a:t>
+              <a:t>botão</a:t>
             </a:r>
             <a:r>
               <a:rPr lang="en-US" dirty="0">
@@ -3996,12 +3996,12 @@
               <a:t> </a:t>
             </a:r>
             <a:r>
-              <a:rPr lang="en-US" dirty="0" err="1">
-                <a:solidFill>
-                  <a:srgbClr val="FFFFFF"/>
-                </a:solidFill>
-              </a:rPr>
-              <a:t>desejava</a:t>
+              <a:rPr lang="pt-PT" dirty="0">
+                <a:solidFill>
+                  <a:srgbClr val="FFFFFF"/>
+                </a:solidFill>
+              </a:rPr>
+              <a:t>desejada</a:t>
             </a:r>
             <a:r>
               <a:rPr lang="en-US" dirty="0">
